--- a/git_learn_powerpPoint.pptx
+++ b/git_learn_powerpPoint.pptx
@@ -114,6 +114,11 @@
       </a:defRPr>
     </a:lvl9pPr>
   </p:defaultTextStyle>
+  <p:extLst>
+    <p:ext uri="{EFAFB233-063F-42B5-8137-9DF3F51BA10A}">
+      <p15:sldGuideLst xmlns:p15="http://schemas.microsoft.com/office/powerpoint/2012/main"/>
+    </p:ext>
+  </p:extLst>
 </p:presentation>
 </file>
 
@@ -199,7 +204,7 @@
           <a:p>
             <a:fld id="{48BC75FA-CE1B-4102-B13B-E322F8860360}" type="datetimeFigureOut">
               <a:rPr lang="fr-FR" smtClean="0"/>
-              <a:t>20/07/2025</a:t>
+              <a:t>21/07/2025</a:t>
             </a:fld>
             <a:endParaRPr lang="fr-FR"/>
           </a:p>
@@ -697,7 +702,7 @@
           <a:p>
             <a:fld id="{CC4284E9-B387-485C-B868-3A71F59F437F}" type="datetimeFigureOut">
               <a:rPr lang="fr-FR" smtClean="0"/>
-              <a:t>20/07/2025</a:t>
+              <a:t>21/07/2025</a:t>
             </a:fld>
             <a:endParaRPr lang="fr-FR"/>
           </a:p>
@@ -895,7 +900,7 @@
           <a:p>
             <a:fld id="{CC4284E9-B387-485C-B868-3A71F59F437F}" type="datetimeFigureOut">
               <a:rPr lang="fr-FR" smtClean="0"/>
-              <a:t>20/07/2025</a:t>
+              <a:t>21/07/2025</a:t>
             </a:fld>
             <a:endParaRPr lang="fr-FR"/>
           </a:p>
@@ -1103,7 +1108,7 @@
           <a:p>
             <a:fld id="{CC4284E9-B387-485C-B868-3A71F59F437F}" type="datetimeFigureOut">
               <a:rPr lang="fr-FR" smtClean="0"/>
-              <a:t>20/07/2025</a:t>
+              <a:t>21/07/2025</a:t>
             </a:fld>
             <a:endParaRPr lang="fr-FR"/>
           </a:p>
@@ -1301,7 +1306,7 @@
           <a:p>
             <a:fld id="{CC4284E9-B387-485C-B868-3A71F59F437F}" type="datetimeFigureOut">
               <a:rPr lang="fr-FR" smtClean="0"/>
-              <a:t>20/07/2025</a:t>
+              <a:t>21/07/2025</a:t>
             </a:fld>
             <a:endParaRPr lang="fr-FR"/>
           </a:p>
@@ -1576,7 +1581,7 @@
           <a:p>
             <a:fld id="{CC4284E9-B387-485C-B868-3A71F59F437F}" type="datetimeFigureOut">
               <a:rPr lang="fr-FR" smtClean="0"/>
-              <a:t>20/07/2025</a:t>
+              <a:t>21/07/2025</a:t>
             </a:fld>
             <a:endParaRPr lang="fr-FR"/>
           </a:p>
@@ -1841,7 +1846,7 @@
           <a:p>
             <a:fld id="{CC4284E9-B387-485C-B868-3A71F59F437F}" type="datetimeFigureOut">
               <a:rPr lang="fr-FR" smtClean="0"/>
-              <a:t>20/07/2025</a:t>
+              <a:t>21/07/2025</a:t>
             </a:fld>
             <a:endParaRPr lang="fr-FR"/>
           </a:p>
@@ -2253,7 +2258,7 @@
           <a:p>
             <a:fld id="{CC4284E9-B387-485C-B868-3A71F59F437F}" type="datetimeFigureOut">
               <a:rPr lang="fr-FR" smtClean="0"/>
-              <a:t>20/07/2025</a:t>
+              <a:t>21/07/2025</a:t>
             </a:fld>
             <a:endParaRPr lang="fr-FR"/>
           </a:p>
@@ -2394,7 +2399,7 @@
           <a:p>
             <a:fld id="{CC4284E9-B387-485C-B868-3A71F59F437F}" type="datetimeFigureOut">
               <a:rPr lang="fr-FR" smtClean="0"/>
-              <a:t>20/07/2025</a:t>
+              <a:t>21/07/2025</a:t>
             </a:fld>
             <a:endParaRPr lang="fr-FR"/>
           </a:p>
@@ -2507,7 +2512,7 @@
           <a:p>
             <a:fld id="{CC4284E9-B387-485C-B868-3A71F59F437F}" type="datetimeFigureOut">
               <a:rPr lang="fr-FR" smtClean="0"/>
-              <a:t>20/07/2025</a:t>
+              <a:t>21/07/2025</a:t>
             </a:fld>
             <a:endParaRPr lang="fr-FR"/>
           </a:p>
@@ -2818,7 +2823,7 @@
           <a:p>
             <a:fld id="{CC4284E9-B387-485C-B868-3A71F59F437F}" type="datetimeFigureOut">
               <a:rPr lang="fr-FR" smtClean="0"/>
-              <a:t>20/07/2025</a:t>
+              <a:t>21/07/2025</a:t>
             </a:fld>
             <a:endParaRPr lang="fr-FR"/>
           </a:p>
@@ -3106,7 +3111,7 @@
           <a:p>
             <a:fld id="{CC4284E9-B387-485C-B868-3A71F59F437F}" type="datetimeFigureOut">
               <a:rPr lang="fr-FR" smtClean="0"/>
-              <a:t>20/07/2025</a:t>
+              <a:t>21/07/2025</a:t>
             </a:fld>
             <a:endParaRPr lang="fr-FR"/>
           </a:p>
@@ -3347,7 +3352,7 @@
           <a:p>
             <a:fld id="{CC4284E9-B387-485C-B868-3A71F59F437F}" type="datetimeFigureOut">
               <a:rPr lang="fr-FR" smtClean="0"/>
-              <a:t>20/07/2025</a:t>
+              <a:t>21/07/2025</a:t>
             </a:fld>
             <a:endParaRPr lang="fr-FR"/>
           </a:p>
